--- a/Fuzzy Quantification Theory.pptx
+++ b/Fuzzy Quantification Theory.pptx
@@ -35,13 +35,16 @@
     <p:sldId id="283" r:id="rId29"/>
     <p:sldId id="284" r:id="rId30"/>
     <p:sldId id="285" r:id="rId31"/>
-    <p:sldId id="286" r:id="rId32"/>
-    <p:sldId id="287" r:id="rId33"/>
-    <p:sldId id="288" r:id="rId34"/>
-    <p:sldId id="289" r:id="rId35"/>
-    <p:sldId id="291" r:id="rId36"/>
-    <p:sldId id="290" r:id="rId37"/>
-    <p:sldId id="292" r:id="rId38"/>
+    <p:sldId id="293" r:id="rId32"/>
+    <p:sldId id="286" r:id="rId33"/>
+    <p:sldId id="287" r:id="rId34"/>
+    <p:sldId id="294" r:id="rId35"/>
+    <p:sldId id="295" r:id="rId36"/>
+    <p:sldId id="288" r:id="rId37"/>
+    <p:sldId id="289" r:id="rId38"/>
+    <p:sldId id="291" r:id="rId39"/>
+    <p:sldId id="290" r:id="rId40"/>
+    <p:sldId id="292" r:id="rId41"/>
   </p:sldIdLst>
   <p:sldSz cx="12192000" cy="6858000"/>
   <p:notesSz cx="6858000" cy="9144000"/>
@@ -309,7 +312,7 @@
           <a:p>
             <a:fld id="{53F79B6B-0812-497F-960A-34F4B3529522}" type="datetimeFigureOut">
               <a:rPr lang="id-ID" smtClean="0"/>
-              <a:t>24/04/2018</a:t>
+              <a:t>25/04/2018</a:t>
             </a:fld>
             <a:endParaRPr lang="id-ID"/>
           </a:p>
@@ -639,7 +642,7 @@
           <a:p>
             <a:fld id="{53F79B6B-0812-497F-960A-34F4B3529522}" type="datetimeFigureOut">
               <a:rPr lang="id-ID" smtClean="0"/>
-              <a:t>24/04/2018</a:t>
+              <a:t>25/04/2018</a:t>
             </a:fld>
             <a:endParaRPr lang="id-ID"/>
           </a:p>
@@ -819,7 +822,7 @@
           <a:p>
             <a:fld id="{53F79B6B-0812-497F-960A-34F4B3529522}" type="datetimeFigureOut">
               <a:rPr lang="id-ID" smtClean="0"/>
-              <a:t>24/04/2018</a:t>
+              <a:t>25/04/2018</a:t>
             </a:fld>
             <a:endParaRPr lang="id-ID"/>
           </a:p>
@@ -989,7 +992,7 @@
           <a:p>
             <a:fld id="{53F79B6B-0812-497F-960A-34F4B3529522}" type="datetimeFigureOut">
               <a:rPr lang="id-ID" smtClean="0"/>
-              <a:t>24/04/2018</a:t>
+              <a:t>25/04/2018</a:t>
             </a:fld>
             <a:endParaRPr lang="id-ID"/>
           </a:p>
@@ -1261,7 +1264,7 @@
           <a:p>
             <a:fld id="{53F79B6B-0812-497F-960A-34F4B3529522}" type="datetimeFigureOut">
               <a:rPr lang="id-ID" smtClean="0"/>
-              <a:t>24/04/2018</a:t>
+              <a:t>25/04/2018</a:t>
             </a:fld>
             <a:endParaRPr lang="id-ID"/>
           </a:p>
@@ -1655,7 +1658,7 @@
           <a:p>
             <a:fld id="{53F79B6B-0812-497F-960A-34F4B3529522}" type="datetimeFigureOut">
               <a:rPr lang="id-ID" smtClean="0"/>
-              <a:t>24/04/2018</a:t>
+              <a:t>25/04/2018</a:t>
             </a:fld>
             <a:endParaRPr lang="id-ID"/>
           </a:p>
@@ -2132,7 +2135,7 @@
           <a:p>
             <a:fld id="{53F79B6B-0812-497F-960A-34F4B3529522}" type="datetimeFigureOut">
               <a:rPr lang="id-ID" smtClean="0"/>
-              <a:t>24/04/2018</a:t>
+              <a:t>25/04/2018</a:t>
             </a:fld>
             <a:endParaRPr lang="id-ID"/>
           </a:p>
@@ -2250,7 +2253,7 @@
           <a:p>
             <a:fld id="{53F79B6B-0812-497F-960A-34F4B3529522}" type="datetimeFigureOut">
               <a:rPr lang="id-ID" smtClean="0"/>
-              <a:t>24/04/2018</a:t>
+              <a:t>25/04/2018</a:t>
             </a:fld>
             <a:endParaRPr lang="id-ID"/>
           </a:p>
@@ -2345,7 +2348,7 @@
           <a:p>
             <a:fld id="{53F79B6B-0812-497F-960A-34F4B3529522}" type="datetimeFigureOut">
               <a:rPr lang="id-ID" smtClean="0"/>
-              <a:t>24/04/2018</a:t>
+              <a:t>25/04/2018</a:t>
             </a:fld>
             <a:endParaRPr lang="id-ID"/>
           </a:p>
@@ -2691,7 +2694,7 @@
           <a:p>
             <a:fld id="{53F79B6B-0812-497F-960A-34F4B3529522}" type="datetimeFigureOut">
               <a:rPr lang="id-ID" smtClean="0"/>
-              <a:t>24/04/2018</a:t>
+              <a:t>25/04/2018</a:t>
             </a:fld>
             <a:endParaRPr lang="id-ID"/>
           </a:p>
@@ -3079,7 +3082,7 @@
           <a:p>
             <a:fld id="{53F79B6B-0812-497F-960A-34F4B3529522}" type="datetimeFigureOut">
               <a:rPr lang="id-ID" smtClean="0"/>
-              <a:t>24/04/2018</a:t>
+              <a:t>25/04/2018</a:t>
             </a:fld>
             <a:endParaRPr lang="id-ID"/>
           </a:p>
@@ -3357,7 +3360,7 @@
           <a:p>
             <a:fld id="{53F79B6B-0812-497F-960A-34F4B3529522}" type="datetimeFigureOut">
               <a:rPr lang="id-ID" smtClean="0"/>
-              <a:t>24/04/2018</a:t>
+              <a:t>25/04/2018</a:t>
             </a:fld>
             <a:endParaRPr lang="id-ID"/>
           </a:p>
@@ -10965,10 +10968,10 @@
       </p:sp>
       <p:pic>
         <p:nvPicPr>
-          <p:cNvPr id="4" name="Picture 3">
+          <p:cNvPr id="5" name="Picture 4">
             <a:extLst>
               <a:ext uri="{FF2B5EF4-FFF2-40B4-BE49-F238E27FC236}">
-                <a16:creationId xmlns:a16="http://schemas.microsoft.com/office/drawing/2014/main" id="{CAF8246B-0A29-4C93-B717-2E68387D4E61}"/>
+                <a16:creationId xmlns:a16="http://schemas.microsoft.com/office/drawing/2014/main" id="{B5E11BEE-68E4-4ED7-92F6-D2CA91C0671C}"/>
               </a:ext>
             </a:extLst>
           </p:cNvPr>
@@ -10985,8 +10988,8 @@
         </p:blipFill>
         <p:spPr>
           <a:xfrm>
-            <a:off x="2816504" y="184765"/>
-            <a:ext cx="6558992" cy="2794114"/>
+            <a:off x="3690937" y="4321390"/>
+            <a:ext cx="4962525" cy="1057275"/>
           </a:xfrm>
           <a:prstGeom prst="rect">
             <a:avLst/>
@@ -10995,10 +10998,10 @@
       </p:pic>
       <p:pic>
         <p:nvPicPr>
-          <p:cNvPr id="5" name="Picture 4">
+          <p:cNvPr id="2" name="Picture 1">
             <a:extLst>
               <a:ext uri="{FF2B5EF4-FFF2-40B4-BE49-F238E27FC236}">
-                <a16:creationId xmlns:a16="http://schemas.microsoft.com/office/drawing/2014/main" id="{B5E11BEE-68E4-4ED7-92F6-D2CA91C0671C}"/>
+                <a16:creationId xmlns:a16="http://schemas.microsoft.com/office/drawing/2014/main" id="{C3B08069-AB78-48EF-85AF-C6B4CC1622CA}"/>
               </a:ext>
             </a:extLst>
           </p:cNvPr>
@@ -11015,8 +11018,8 @@
         </p:blipFill>
         <p:spPr>
           <a:xfrm>
-            <a:off x="3690937" y="4321390"/>
-            <a:ext cx="4962525" cy="1057275"/>
+            <a:off x="3020506" y="393708"/>
+            <a:ext cx="6150987" cy="2603378"/>
           </a:xfrm>
           <a:prstGeom prst="rect">
             <a:avLst/>
@@ -11110,8 +11113,8 @@
           </a:p>
         </p:txBody>
       </p:sp>
-      <mc:AlternateContent xmlns:mc="http://schemas.openxmlformats.org/markup-compatibility/2006">
-        <mc:Choice xmlns:a14="http://schemas.microsoft.com/office/drawing/2010/main" Requires="a14">
+      <mc:AlternateContent xmlns:mc="http://schemas.openxmlformats.org/markup-compatibility/2006" xmlns:a14="http://schemas.microsoft.com/office/drawing/2010/main">
+        <mc:Choice Requires="a14">
           <p:sp>
             <p:nvSpPr>
               <p:cNvPr id="3" name="Content Placeholder 2">
@@ -11310,18 +11313,24 @@
                     <m:sSup>
                       <m:sSupPr>
                         <m:ctrlPr>
-                          <a:rPr lang="id-ID" i="1"/>
+                          <a:rPr lang="id-ID" i="1">
+                            <a:latin typeface="Cambria Math" panose="02040503050406030204" pitchFamily="18" charset="0"/>
+                          </a:rPr>
                         </m:ctrlPr>
                       </m:sSupPr>
                       <m:e>
                         <m:r>
-                          <a:rPr lang="en-ID" i="1"/>
+                          <a:rPr lang="en-ID" i="1">
+                            <a:latin typeface="Cambria Math" panose="02040503050406030204" pitchFamily="18" charset="0"/>
+                          </a:rPr>
                           <m:t>𝜂</m:t>
                         </m:r>
                       </m:e>
                       <m:sup>
                         <m:r>
-                          <a:rPr lang="en-ID" i="1"/>
+                          <a:rPr lang="en-ID" i="1">
+                            <a:latin typeface="Cambria Math" panose="02040503050406030204" pitchFamily="18" charset="0"/>
+                          </a:rPr>
                           <m:t>2</m:t>
                         </m:r>
                       </m:sup>
@@ -11423,41 +11432,55 @@
                       <m:sSup>
                         <m:sSupPr>
                           <m:ctrlPr>
-                            <a:rPr lang="id-ID" i="1"/>
+                            <a:rPr lang="id-ID" i="1">
+                              <a:latin typeface="Cambria Math" panose="02040503050406030204" pitchFamily="18" charset="0"/>
+                            </a:rPr>
                           </m:ctrlPr>
                         </m:sSupPr>
                         <m:e>
                           <m:r>
-                            <a:rPr lang="en-ID" i="1"/>
+                            <a:rPr lang="en-ID" i="1">
+                              <a:latin typeface="Cambria Math" panose="02040503050406030204" pitchFamily="18" charset="0"/>
+                            </a:rPr>
                             <m:t>𝜂</m:t>
                           </m:r>
                         </m:e>
                         <m:sup>
                           <m:r>
-                            <a:rPr lang="en-ID" i="1"/>
+                            <a:rPr lang="en-ID" i="1">
+                              <a:latin typeface="Cambria Math" panose="02040503050406030204" pitchFamily="18" charset="0"/>
+                            </a:rPr>
                             <m:t>2</m:t>
                           </m:r>
                         </m:sup>
                       </m:sSup>
                       <m:r>
-                        <a:rPr lang="en-ID" i="1"/>
+                        <a:rPr lang="en-ID" i="1">
+                          <a:latin typeface="Cambria Math" panose="02040503050406030204" pitchFamily="18" charset="0"/>
+                        </a:rPr>
                         <m:t>= </m:t>
                       </m:r>
                       <m:f>
                         <m:fPr>
                           <m:ctrlPr>
-                            <a:rPr lang="id-ID" i="1"/>
+                            <a:rPr lang="id-ID" i="1">
+                              <a:latin typeface="Cambria Math" panose="02040503050406030204" pitchFamily="18" charset="0"/>
+                            </a:rPr>
                           </m:ctrlPr>
                         </m:fPr>
                         <m:num>
                           <m:r>
-                            <a:rPr lang="en-ID" i="1"/>
+                            <a:rPr lang="en-ID" i="1">
+                              <a:latin typeface="Cambria Math" panose="02040503050406030204" pitchFamily="18" charset="0"/>
+                            </a:rPr>
                             <m:t>𝐵</m:t>
                           </m:r>
                         </m:num>
                         <m:den>
                           <m:r>
-                            <a:rPr lang="en-ID" i="1"/>
+                            <a:rPr lang="en-ID" i="1">
+                              <a:latin typeface="Cambria Math" panose="02040503050406030204" pitchFamily="18" charset="0"/>
+                            </a:rPr>
                             <m:t>𝑇</m:t>
                           </m:r>
                         </m:den>
@@ -11546,7 +11569,7 @@
             </p:txBody>
           </p:sp>
         </mc:Choice>
-        <mc:Fallback>
+        <mc:Fallback xmlns="">
           <p:sp>
             <p:nvSpPr>
               <p:cNvPr id="3" name="Content Placeholder 2">
@@ -11620,8 +11643,8 @@
           <a:chExt cx="0" cy="0"/>
         </a:xfrm>
       </p:grpSpPr>
-      <mc:AlternateContent xmlns:mc="http://schemas.openxmlformats.org/markup-compatibility/2006">
-        <mc:Choice xmlns:a14="http://schemas.microsoft.com/office/drawing/2010/main" Requires="a14">
+      <mc:AlternateContent xmlns:mc="http://schemas.openxmlformats.org/markup-compatibility/2006" xmlns:a14="http://schemas.microsoft.com/office/drawing/2010/main">
+        <mc:Choice Requires="a14">
           <p:sp>
             <p:nvSpPr>
               <p:cNvPr id="2" name="Title 1">
@@ -11657,12 +11680,16 @@
                       <m:accPr>
                         <m:chr m:val="̅"/>
                         <m:ctrlPr>
-                          <a:rPr lang="id-ID" i="1"/>
+                          <a:rPr lang="id-ID" i="1">
+                            <a:latin typeface="Cambria Math" panose="02040503050406030204" pitchFamily="18" charset="0"/>
+                          </a:rPr>
                         </m:ctrlPr>
                       </m:accPr>
                       <m:e>
                         <m:r>
-                          <a:rPr lang="en-ID" i="1"/>
+                          <a:rPr lang="en-ID" i="1">
+                            <a:latin typeface="Cambria Math" panose="02040503050406030204" pitchFamily="18" charset="0"/>
+                          </a:rPr>
                           <m:t>𝐴</m:t>
                         </m:r>
                       </m:e>
@@ -11691,12 +11718,16 @@
                       <m:accPr>
                         <m:chr m:val="̅"/>
                         <m:ctrlPr>
-                          <a:rPr lang="id-ID" i="1"/>
+                          <a:rPr lang="id-ID" i="1">
+                            <a:latin typeface="Cambria Math" panose="02040503050406030204" pitchFamily="18" charset="0"/>
+                          </a:rPr>
                         </m:ctrlPr>
                       </m:accPr>
                       <m:e>
                         <m:r>
-                          <a:rPr lang="en-ID" i="1"/>
+                          <a:rPr lang="en-ID" i="1">
+                            <a:latin typeface="Cambria Math" panose="02040503050406030204" pitchFamily="18" charset="0"/>
+                          </a:rPr>
                           <m:t>𝐴</m:t>
                         </m:r>
                       </m:e>
@@ -11711,7 +11742,7 @@
             </p:txBody>
           </p:sp>
         </mc:Choice>
-        <mc:Fallback>
+        <mc:Fallback xmlns="">
           <p:sp>
             <p:nvSpPr>
               <p:cNvPr id="2" name="Title 1">
@@ -11751,8 +11782,8 @@
           </p:sp>
         </mc:Fallback>
       </mc:AlternateContent>
-      <mc:AlternateContent xmlns:mc="http://schemas.openxmlformats.org/markup-compatibility/2006">
-        <mc:Choice xmlns:a14="http://schemas.microsoft.com/office/drawing/2010/main" Requires="a14">
+      <mc:AlternateContent xmlns:mc="http://schemas.openxmlformats.org/markup-compatibility/2006" xmlns:a14="http://schemas.microsoft.com/office/drawing/2010/main">
+        <mc:Choice Requires="a14">
           <p:sp>
             <p:nvSpPr>
               <p:cNvPr id="3" name="Content Placeholder 2">
@@ -11852,12 +11883,16 @@
                       <m:accPr>
                         <m:chr m:val="̅"/>
                         <m:ctrlPr>
-                          <a:rPr lang="id-ID" i="1"/>
+                          <a:rPr lang="id-ID" i="1">
+                            <a:latin typeface="Cambria Math" panose="02040503050406030204" pitchFamily="18" charset="0"/>
+                          </a:rPr>
                         </m:ctrlPr>
                       </m:accPr>
                       <m:e>
                         <m:r>
-                          <a:rPr lang="en-ID" i="1"/>
+                          <a:rPr lang="en-ID" i="1">
+                            <a:latin typeface="Cambria Math" panose="02040503050406030204" pitchFamily="18" charset="0"/>
+                          </a:rPr>
                           <m:t>𝑦</m:t>
                         </m:r>
                       </m:e>
@@ -11910,12 +11945,16 @@
                       <m:accPr>
                         <m:chr m:val="̅"/>
                         <m:ctrlPr>
-                          <a:rPr lang="id-ID" i="1"/>
+                          <a:rPr lang="id-ID" i="1">
+                            <a:latin typeface="Cambria Math" panose="02040503050406030204" pitchFamily="18" charset="0"/>
+                          </a:rPr>
                         </m:ctrlPr>
                       </m:accPr>
                       <m:e>
                         <m:r>
-                          <a:rPr lang="en-ID" i="1"/>
+                          <a:rPr lang="en-ID" i="1">
+                            <a:latin typeface="Cambria Math" panose="02040503050406030204" pitchFamily="18" charset="0"/>
+                          </a:rPr>
                           <m:t>𝑦</m:t>
                         </m:r>
                       </m:e>
@@ -11945,7 +11984,7 @@
             </p:txBody>
           </p:sp>
         </mc:Choice>
-        <mc:Fallback>
+        <mc:Fallback xmlns="">
           <p:sp>
             <p:nvSpPr>
               <p:cNvPr id="3" name="Content Placeholder 2">
@@ -11991,10 +12030,10 @@
       </mc:AlternateContent>
       <p:pic>
         <p:nvPicPr>
-          <p:cNvPr id="4" name="Picture 3">
+          <p:cNvPr id="5" name="Picture 4">
             <a:extLst>
               <a:ext uri="{FF2B5EF4-FFF2-40B4-BE49-F238E27FC236}">
-                <a16:creationId xmlns:a16="http://schemas.microsoft.com/office/drawing/2014/main" id="{427D2363-59FA-4E8C-96CE-7FA94BEBFCB6}"/>
+                <a16:creationId xmlns:a16="http://schemas.microsoft.com/office/drawing/2014/main" id="{36C28A99-F7EC-42CE-823A-DB3D8590434B}"/>
               </a:ext>
             </a:extLst>
           </p:cNvPr>
@@ -12011,8 +12050,8 @@
         </p:blipFill>
         <p:spPr>
           <a:xfrm>
-            <a:off x="2613453" y="2394250"/>
-            <a:ext cx="6248400" cy="2133600"/>
+            <a:off x="1425146" y="4354853"/>
+            <a:ext cx="8715375" cy="1971675"/>
           </a:xfrm>
           <a:prstGeom prst="rect">
             <a:avLst/>
@@ -12021,10 +12060,10 @@
       </p:pic>
       <p:pic>
         <p:nvPicPr>
-          <p:cNvPr id="5" name="Picture 4">
+          <p:cNvPr id="8" name="Picture 7">
             <a:extLst>
               <a:ext uri="{FF2B5EF4-FFF2-40B4-BE49-F238E27FC236}">
-                <a16:creationId xmlns:a16="http://schemas.microsoft.com/office/drawing/2014/main" id="{36C28A99-F7EC-42CE-823A-DB3D8590434B}"/>
+                <a16:creationId xmlns:a16="http://schemas.microsoft.com/office/drawing/2014/main" id="{6CFCF010-06CF-478F-BFA5-216B22CC10DD}"/>
               </a:ext>
             </a:extLst>
           </p:cNvPr>
@@ -12041,8 +12080,8 @@
         </p:blipFill>
         <p:spPr>
           <a:xfrm>
-            <a:off x="1425146" y="4527850"/>
-            <a:ext cx="8715375" cy="1971675"/>
+            <a:off x="3360419" y="2444705"/>
+            <a:ext cx="4870877" cy="1910148"/>
           </a:xfrm>
           <a:prstGeom prst="rect">
             <a:avLst/>
@@ -12103,7 +12142,7 @@
         </p:blipFill>
         <p:spPr>
           <a:xfrm>
-            <a:off x="1671637" y="378833"/>
+            <a:off x="1671637" y="622673"/>
             <a:ext cx="8848725" cy="1933575"/>
           </a:xfrm>
           <a:prstGeom prst="rect">
@@ -12113,10 +12152,10 @@
       </p:pic>
       <p:pic>
         <p:nvPicPr>
-          <p:cNvPr id="5" name="Picture 4">
+          <p:cNvPr id="3" name="Picture 2">
             <a:extLst>
               <a:ext uri="{FF2B5EF4-FFF2-40B4-BE49-F238E27FC236}">
-                <a16:creationId xmlns:a16="http://schemas.microsoft.com/office/drawing/2014/main" id="{B0858DE0-2935-422B-B9C6-473855E35976}"/>
+                <a16:creationId xmlns:a16="http://schemas.microsoft.com/office/drawing/2014/main" id="{DCBA6DA0-97DF-429D-B1E2-9FA8153E306B}"/>
               </a:ext>
             </a:extLst>
           </p:cNvPr>
@@ -12133,8 +12172,8 @@
         </p:blipFill>
         <p:spPr>
           <a:xfrm>
-            <a:off x="1671637" y="4093583"/>
-            <a:ext cx="3390900" cy="1857375"/>
+            <a:off x="1671637" y="2830318"/>
+            <a:ext cx="3083243" cy="1831004"/>
           </a:xfrm>
           <a:prstGeom prst="rect">
             <a:avLst/>
@@ -12143,10 +12182,10 @@
       </p:pic>
       <p:pic>
         <p:nvPicPr>
-          <p:cNvPr id="6" name="Picture 5">
+          <p:cNvPr id="8" name="Picture 7">
             <a:extLst>
               <a:ext uri="{FF2B5EF4-FFF2-40B4-BE49-F238E27FC236}">
-                <a16:creationId xmlns:a16="http://schemas.microsoft.com/office/drawing/2014/main" id="{E7C90B6D-B01E-4917-9418-B3EA2A57A254}"/>
+                <a16:creationId xmlns:a16="http://schemas.microsoft.com/office/drawing/2014/main" id="{F2F66FC2-C0AE-4DC0-841D-6BFCC21BFC72}"/>
               </a:ext>
             </a:extLst>
           </p:cNvPr>
@@ -12163,8 +12202,8 @@
         </p:blipFill>
         <p:spPr>
           <a:xfrm>
-            <a:off x="1671637" y="2312408"/>
-            <a:ext cx="4467225" cy="1781175"/>
+            <a:off x="7077497" y="2789344"/>
+            <a:ext cx="2601836" cy="1832873"/>
           </a:xfrm>
           <a:prstGeom prst="rect">
             <a:avLst/>
@@ -12173,10 +12212,10 @@
       </p:pic>
       <p:pic>
         <p:nvPicPr>
-          <p:cNvPr id="7" name="Picture 6">
+          <p:cNvPr id="10" name="Picture 9">
             <a:extLst>
               <a:ext uri="{FF2B5EF4-FFF2-40B4-BE49-F238E27FC236}">
-                <a16:creationId xmlns:a16="http://schemas.microsoft.com/office/drawing/2014/main" id="{AA4FD2C0-D440-46DF-BABF-797E9523C519}"/>
+                <a16:creationId xmlns:a16="http://schemas.microsoft.com/office/drawing/2014/main" id="{571C976A-D479-48B2-BD13-51285EDBF944}"/>
               </a:ext>
             </a:extLst>
           </p:cNvPr>
@@ -12193,8 +12232,8 @@
         </p:blipFill>
         <p:spPr>
           <a:xfrm>
-            <a:off x="6138862" y="2293358"/>
-            <a:ext cx="3981450" cy="1800225"/>
+            <a:off x="4754880" y="2840561"/>
+            <a:ext cx="2322617" cy="1831004"/>
           </a:xfrm>
           <a:prstGeom prst="rect">
             <a:avLst/>
@@ -12466,6 +12505,68 @@
           <a:chExt cx="0" cy="0"/>
         </a:xfrm>
       </p:grpSpPr>
+      <p:pic>
+        <p:nvPicPr>
+          <p:cNvPr id="4" name="Content Placeholder 3">
+            <a:extLst>
+              <a:ext uri="{FF2B5EF4-FFF2-40B4-BE49-F238E27FC236}">
+                <a16:creationId xmlns:a16="http://schemas.microsoft.com/office/drawing/2014/main" id="{39C9BE29-BBEE-4B1B-9853-58E0D619FE90}"/>
+              </a:ext>
+            </a:extLst>
+          </p:cNvPr>
+          <p:cNvPicPr>
+            <a:picLocks noGrp="1" noChangeAspect="1"/>
+          </p:cNvPicPr>
+          <p:nvPr>
+            <p:ph idx="1"/>
+          </p:nvPr>
+        </p:nvPicPr>
+        <p:blipFill>
+          <a:blip r:embed="rId2"/>
+          <a:stretch>
+            <a:fillRect/>
+          </a:stretch>
+        </p:blipFill>
+        <p:spPr>
+          <a:xfrm>
+            <a:off x="1635210" y="576865"/>
+            <a:ext cx="9169949" cy="5581115"/>
+          </a:xfrm>
+          <a:prstGeom prst="rect">
+            <a:avLst/>
+          </a:prstGeom>
+        </p:spPr>
+      </p:pic>
+    </p:spTree>
+    <p:extLst>
+      <p:ext uri="{BB962C8B-B14F-4D97-AF65-F5344CB8AC3E}">
+        <p14:creationId xmlns:p14="http://schemas.microsoft.com/office/powerpoint/2010/main" val="719790052"/>
+      </p:ext>
+    </p:extLst>
+  </p:cSld>
+  <p:clrMapOvr>
+    <a:masterClrMapping/>
+  </p:clrMapOvr>
+</p:sld>
+</file>
+
+<file path=ppt/slides/slide32.xml><?xml version="1.0" encoding="utf-8"?>
+<p:sld xmlns:a="http://schemas.openxmlformats.org/drawingml/2006/main" xmlns:r="http://schemas.openxmlformats.org/officeDocument/2006/relationships" xmlns:p="http://schemas.openxmlformats.org/presentationml/2006/main">
+  <p:cSld>
+    <p:spTree>
+      <p:nvGrpSpPr>
+        <p:cNvPr id="1" name=""/>
+        <p:cNvGrpSpPr/>
+        <p:nvPr/>
+      </p:nvGrpSpPr>
+      <p:grpSpPr>
+        <a:xfrm>
+          <a:off x="0" y="0"/>
+          <a:ext cx="0" cy="0"/>
+          <a:chOff x="0" y="0"/>
+          <a:chExt cx="0" cy="0"/>
+        </a:xfrm>
+      </p:grpSpPr>
       <p:sp>
         <p:nvSpPr>
           <p:cNvPr id="2" name="Title 1">
@@ -12722,10 +12823,10 @@
       </p:sp>
       <p:pic>
         <p:nvPicPr>
-          <p:cNvPr id="5" name="Picture 4">
+          <p:cNvPr id="4" name="Picture 3">
             <a:extLst>
               <a:ext uri="{FF2B5EF4-FFF2-40B4-BE49-F238E27FC236}">
-                <a16:creationId xmlns:a16="http://schemas.microsoft.com/office/drawing/2014/main" id="{0AD72B3F-3E94-41B7-9F4D-BA331716124A}"/>
+                <a16:creationId xmlns:a16="http://schemas.microsoft.com/office/drawing/2014/main" id="{ECDB4868-0E5F-4248-B145-735A1110D0DA}"/>
               </a:ext>
             </a:extLst>
           </p:cNvPr>
@@ -12742,8 +12843,8 @@
         </p:blipFill>
         <p:spPr>
           <a:xfrm>
-            <a:off x="1804987" y="2209800"/>
-            <a:ext cx="8734425" cy="619125"/>
+            <a:off x="3700462" y="2209800"/>
+            <a:ext cx="4069909" cy="509588"/>
           </a:xfrm>
           <a:prstGeom prst="rect">
             <a:avLst/>
@@ -12763,7 +12864,7 @@
 </p:sld>
 </file>
 
-<file path=ppt/slides/slide32.xml><?xml version="1.0" encoding="utf-8"?>
+<file path=ppt/slides/slide33.xml><?xml version="1.0" encoding="utf-8"?>
 <p:sld xmlns:a="http://schemas.openxmlformats.org/drawingml/2006/main" xmlns:r="http://schemas.openxmlformats.org/officeDocument/2006/relationships" xmlns:p="http://schemas.openxmlformats.org/presentationml/2006/main">
   <p:cSld>
     <p:spTree>
@@ -12890,7 +12991,164 @@
 </p:sld>
 </file>
 
-<file path=ppt/slides/slide33.xml><?xml version="1.0" encoding="utf-8"?>
+<file path=ppt/slides/slide34.xml><?xml version="1.0" encoding="utf-8"?>
+<p:sld xmlns:a="http://schemas.openxmlformats.org/drawingml/2006/main" xmlns:r="http://schemas.openxmlformats.org/officeDocument/2006/relationships" xmlns:p="http://schemas.openxmlformats.org/presentationml/2006/main">
+  <p:cSld>
+    <p:spTree>
+      <p:nvGrpSpPr>
+        <p:cNvPr id="1" name=""/>
+        <p:cNvGrpSpPr/>
+        <p:nvPr/>
+      </p:nvGrpSpPr>
+      <p:grpSpPr>
+        <a:xfrm>
+          <a:off x="0" y="0"/>
+          <a:ext cx="0" cy="0"/>
+          <a:chOff x="0" y="0"/>
+          <a:chExt cx="0" cy="0"/>
+        </a:xfrm>
+      </p:grpSpPr>
+      <p:pic>
+        <p:nvPicPr>
+          <p:cNvPr id="4" name="Picture 3">
+            <a:extLst>
+              <a:ext uri="{FF2B5EF4-FFF2-40B4-BE49-F238E27FC236}">
+                <a16:creationId xmlns:a16="http://schemas.microsoft.com/office/drawing/2014/main" id="{6FCA7627-C084-4E98-934A-81E8ACEB21AD}"/>
+              </a:ext>
+            </a:extLst>
+          </p:cNvPr>
+          <p:cNvPicPr>
+            <a:picLocks noChangeAspect="1"/>
+          </p:cNvPicPr>
+          <p:nvPr/>
+        </p:nvPicPr>
+        <p:blipFill>
+          <a:blip r:embed="rId2"/>
+          <a:stretch>
+            <a:fillRect/>
+          </a:stretch>
+        </p:blipFill>
+        <p:spPr>
+          <a:xfrm>
+            <a:off x="1371600" y="1724026"/>
+            <a:ext cx="9625791" cy="4448174"/>
+          </a:xfrm>
+          <a:prstGeom prst="rect">
+            <a:avLst/>
+          </a:prstGeom>
+        </p:spPr>
+      </p:pic>
+      <p:sp>
+        <p:nvSpPr>
+          <p:cNvPr id="2" name="Title 1">
+            <a:extLst>
+              <a:ext uri="{FF2B5EF4-FFF2-40B4-BE49-F238E27FC236}">
+                <a16:creationId xmlns:a16="http://schemas.microsoft.com/office/drawing/2014/main" id="{86CC5832-6F48-4645-B68B-AD55ABDD54FA}"/>
+              </a:ext>
+            </a:extLst>
+          </p:cNvPr>
+          <p:cNvSpPr>
+            <a:spLocks noGrp="1"/>
+          </p:cNvSpPr>
+          <p:nvPr>
+            <p:ph type="title"/>
+          </p:nvPr>
+        </p:nvSpPr>
+        <p:spPr/>
+        <p:txBody>
+          <a:bodyPr/>
+          <a:lstStyle/>
+          <a:p>
+            <a:r>
+              <a:rPr lang="en-ID" dirty="0" err="1"/>
+              <a:t>Aplikasi</a:t>
+            </a:r>
+            <a:r>
+              <a:rPr lang="en-ID" dirty="0"/>
+              <a:t> </a:t>
+            </a:r>
+            <a:r>
+              <a:rPr lang="en-ID" i="1" dirty="0"/>
+              <a:t>Fuzzy Quantification Theory II</a:t>
+            </a:r>
+            <a:endParaRPr lang="id-ID" i="1" dirty="0"/>
+          </a:p>
+        </p:txBody>
+      </p:sp>
+    </p:spTree>
+    <p:extLst>
+      <p:ext uri="{BB962C8B-B14F-4D97-AF65-F5344CB8AC3E}">
+        <p14:creationId xmlns:p14="http://schemas.microsoft.com/office/powerpoint/2010/main" val="2449395396"/>
+      </p:ext>
+    </p:extLst>
+  </p:cSld>
+  <p:clrMapOvr>
+    <a:masterClrMapping/>
+  </p:clrMapOvr>
+</p:sld>
+</file>
+
+<file path=ppt/slides/slide35.xml><?xml version="1.0" encoding="utf-8"?>
+<p:sld xmlns:a="http://schemas.openxmlformats.org/drawingml/2006/main" xmlns:r="http://schemas.openxmlformats.org/officeDocument/2006/relationships" xmlns:p="http://schemas.openxmlformats.org/presentationml/2006/main">
+  <p:cSld>
+    <p:spTree>
+      <p:nvGrpSpPr>
+        <p:cNvPr id="1" name=""/>
+        <p:cNvGrpSpPr/>
+        <p:nvPr/>
+      </p:nvGrpSpPr>
+      <p:grpSpPr>
+        <a:xfrm>
+          <a:off x="0" y="0"/>
+          <a:ext cx="0" cy="0"/>
+          <a:chOff x="0" y="0"/>
+          <a:chExt cx="0" cy="0"/>
+        </a:xfrm>
+      </p:grpSpPr>
+      <p:pic>
+        <p:nvPicPr>
+          <p:cNvPr id="4" name="Picture 3">
+            <a:extLst>
+              <a:ext uri="{FF2B5EF4-FFF2-40B4-BE49-F238E27FC236}">
+                <a16:creationId xmlns:a16="http://schemas.microsoft.com/office/drawing/2014/main" id="{E9FFFC60-8B6D-4238-95E7-D0DD149C39CF}"/>
+              </a:ext>
+            </a:extLst>
+          </p:cNvPr>
+          <p:cNvPicPr>
+            <a:picLocks noChangeAspect="1"/>
+          </p:cNvPicPr>
+          <p:nvPr/>
+        </p:nvPicPr>
+        <p:blipFill>
+          <a:blip r:embed="rId2"/>
+          <a:stretch>
+            <a:fillRect/>
+          </a:stretch>
+        </p:blipFill>
+        <p:spPr>
+          <a:xfrm>
+            <a:off x="1371600" y="990600"/>
+            <a:ext cx="9448800" cy="4737634"/>
+          </a:xfrm>
+          <a:prstGeom prst="rect">
+            <a:avLst/>
+          </a:prstGeom>
+        </p:spPr>
+      </p:pic>
+    </p:spTree>
+    <p:extLst>
+      <p:ext uri="{BB962C8B-B14F-4D97-AF65-F5344CB8AC3E}">
+        <p14:creationId xmlns:p14="http://schemas.microsoft.com/office/powerpoint/2010/main" val="1609843391"/>
+      </p:ext>
+    </p:extLst>
+  </p:cSld>
+  <p:clrMapOvr>
+    <a:masterClrMapping/>
+  </p:clrMapOvr>
+</p:sld>
+</file>
+
+<file path=ppt/slides/slide36.xml><?xml version="1.0" encoding="utf-8"?>
 <p:sld xmlns:a="http://schemas.openxmlformats.org/drawingml/2006/main" xmlns:r="http://schemas.openxmlformats.org/officeDocument/2006/relationships" xmlns:p="http://schemas.openxmlformats.org/presentationml/2006/main">
   <p:cSld>
     <p:spTree>
@@ -19685,7 +19943,7 @@
 </p:sld>
 </file>
 
-<file path=ppt/slides/slide34.xml><?xml version="1.0" encoding="utf-8"?>
+<file path=ppt/slides/slide37.xml><?xml version="1.0" encoding="utf-8"?>
 <p:sld xmlns:a="http://schemas.openxmlformats.org/drawingml/2006/main" xmlns:r="http://schemas.openxmlformats.org/officeDocument/2006/relationships" xmlns:p="http://schemas.openxmlformats.org/presentationml/2006/main">
   <p:cSld>
     <p:spTree>
@@ -19826,7 +20084,7 @@
 </p:sld>
 </file>
 
-<file path=ppt/slides/slide35.xml><?xml version="1.0" encoding="utf-8"?>
+<file path=ppt/slides/slide38.xml><?xml version="1.0" encoding="utf-8"?>
 <p:sld xmlns:a="http://schemas.openxmlformats.org/drawingml/2006/main" xmlns:r="http://schemas.openxmlformats.org/officeDocument/2006/relationships" xmlns:p="http://schemas.openxmlformats.org/presentationml/2006/main">
   <p:cSld>
     <p:spTree>
@@ -19918,7 +20176,7 @@
 </p:sld>
 </file>
 
-<file path=ppt/slides/slide36.xml><?xml version="1.0" encoding="utf-8"?>
+<file path=ppt/slides/slide39.xml><?xml version="1.0" encoding="utf-8"?>
 <p:sld xmlns:a="http://schemas.openxmlformats.org/drawingml/2006/main" xmlns:r="http://schemas.openxmlformats.org/officeDocument/2006/relationships" xmlns:p="http://schemas.openxmlformats.org/presentationml/2006/main">
   <p:cSld>
     <p:spTree>
@@ -20308,105 +20566,6 @@
     <p:extLst>
       <p:ext uri="{BB962C8B-B14F-4D97-AF65-F5344CB8AC3E}">
         <p14:creationId xmlns:p14="http://schemas.microsoft.com/office/powerpoint/2010/main" val="1998305626"/>
-      </p:ext>
-    </p:extLst>
-  </p:cSld>
-  <p:clrMapOvr>
-    <a:masterClrMapping/>
-  </p:clrMapOvr>
-</p:sld>
-</file>
-
-<file path=ppt/slides/slide37.xml><?xml version="1.0" encoding="utf-8"?>
-<p:sld xmlns:a="http://schemas.openxmlformats.org/drawingml/2006/main" xmlns:r="http://schemas.openxmlformats.org/officeDocument/2006/relationships" xmlns:p="http://schemas.openxmlformats.org/presentationml/2006/main">
-  <p:cSld>
-    <p:spTree>
-      <p:nvGrpSpPr>
-        <p:cNvPr id="1" name=""/>
-        <p:cNvGrpSpPr/>
-        <p:nvPr/>
-      </p:nvGrpSpPr>
-      <p:grpSpPr>
-        <a:xfrm>
-          <a:off x="0" y="0"/>
-          <a:ext cx="0" cy="0"/>
-          <a:chOff x="0" y="0"/>
-          <a:chExt cx="0" cy="0"/>
-        </a:xfrm>
-      </p:grpSpPr>
-      <p:sp>
-        <p:nvSpPr>
-          <p:cNvPr id="2" name="Title 1">
-            <a:extLst>
-              <a:ext uri="{FF2B5EF4-FFF2-40B4-BE49-F238E27FC236}">
-                <a16:creationId xmlns:a16="http://schemas.microsoft.com/office/drawing/2014/main" id="{957E6E1A-4AAC-45C2-AAFB-839CFAD8ABF2}"/>
-              </a:ext>
-            </a:extLst>
-          </p:cNvPr>
-          <p:cNvSpPr>
-            <a:spLocks noGrp="1"/>
-          </p:cNvSpPr>
-          <p:nvPr>
-            <p:ph type="title"/>
-          </p:nvPr>
-        </p:nvSpPr>
-        <p:spPr/>
-        <p:txBody>
-          <a:bodyPr/>
-          <a:lstStyle/>
-          <a:p>
-            <a:r>
-              <a:rPr lang="en-US" dirty="0"/>
-              <a:t>Daftar </a:t>
-            </a:r>
-            <a:r>
-              <a:rPr lang="en-US" dirty="0" err="1"/>
-              <a:t>Pustaka</a:t>
-            </a:r>
-            <a:r>
-              <a:rPr lang="en-US" dirty="0"/>
-              <a:t> </a:t>
-            </a:r>
-            <a:endParaRPr lang="id-ID" dirty="0"/>
-          </a:p>
-        </p:txBody>
-      </p:sp>
-      <p:pic>
-        <p:nvPicPr>
-          <p:cNvPr id="4" name="Content Placeholder 3">
-            <a:extLst>
-              <a:ext uri="{FF2B5EF4-FFF2-40B4-BE49-F238E27FC236}">
-                <a16:creationId xmlns:a16="http://schemas.microsoft.com/office/drawing/2014/main" id="{C5D692DC-838D-4857-9B60-EE61F2674B08}"/>
-              </a:ext>
-            </a:extLst>
-          </p:cNvPr>
-          <p:cNvPicPr>
-            <a:picLocks noGrp="1" noChangeAspect="1"/>
-          </p:cNvPicPr>
-          <p:nvPr>
-            <p:ph idx="1"/>
-          </p:nvPr>
-        </p:nvPicPr>
-        <p:blipFill>
-          <a:blip r:embed="rId2"/>
-          <a:stretch>
-            <a:fillRect/>
-          </a:stretch>
-        </p:blipFill>
-        <p:spPr>
-          <a:xfrm>
-            <a:off x="1525905" y="1688782"/>
-            <a:ext cx="8743950" cy="752475"/>
-          </a:xfrm>
-          <a:prstGeom prst="rect">
-            <a:avLst/>
-          </a:prstGeom>
-        </p:spPr>
-      </p:pic>
-    </p:spTree>
-    <p:extLst>
-      <p:ext uri="{BB962C8B-B14F-4D97-AF65-F5344CB8AC3E}">
-        <p14:creationId xmlns:p14="http://schemas.microsoft.com/office/powerpoint/2010/main" val="582765946"/>
       </p:ext>
     </p:extLst>
   </p:cSld>
@@ -20487,6 +20646,10 @@
               <a:buNone/>
             </a:pPr>
             <a:r>
+              <a:rPr lang="en-ID" dirty="0"/>
+              <a:t>	</a:t>
+            </a:r>
+            <a:r>
               <a:rPr lang="en-ID" dirty="0" err="1"/>
               <a:t>Biasanya</a:t>
             </a:r>
@@ -20758,6 +20921,135 @@
     <p:extLst>
       <p:ext uri="{BB962C8B-B14F-4D97-AF65-F5344CB8AC3E}">
         <p14:creationId xmlns:p14="http://schemas.microsoft.com/office/powerpoint/2010/main" val="615268836"/>
+      </p:ext>
+    </p:extLst>
+  </p:cSld>
+  <p:clrMapOvr>
+    <a:masterClrMapping/>
+  </p:clrMapOvr>
+</p:sld>
+</file>
+
+<file path=ppt/slides/slide40.xml><?xml version="1.0" encoding="utf-8"?>
+<p:sld xmlns:a="http://schemas.openxmlformats.org/drawingml/2006/main" xmlns:r="http://schemas.openxmlformats.org/officeDocument/2006/relationships" xmlns:p="http://schemas.openxmlformats.org/presentationml/2006/main">
+  <p:cSld>
+    <p:spTree>
+      <p:nvGrpSpPr>
+        <p:cNvPr id="1" name=""/>
+        <p:cNvGrpSpPr/>
+        <p:nvPr/>
+      </p:nvGrpSpPr>
+      <p:grpSpPr>
+        <a:xfrm>
+          <a:off x="0" y="0"/>
+          <a:ext cx="0" cy="0"/>
+          <a:chOff x="0" y="0"/>
+          <a:chExt cx="0" cy="0"/>
+        </a:xfrm>
+      </p:grpSpPr>
+      <p:sp>
+        <p:nvSpPr>
+          <p:cNvPr id="2" name="Title 1">
+            <a:extLst>
+              <a:ext uri="{FF2B5EF4-FFF2-40B4-BE49-F238E27FC236}">
+                <a16:creationId xmlns:a16="http://schemas.microsoft.com/office/drawing/2014/main" id="{957E6E1A-4AAC-45C2-AAFB-839CFAD8ABF2}"/>
+              </a:ext>
+            </a:extLst>
+          </p:cNvPr>
+          <p:cNvSpPr>
+            <a:spLocks noGrp="1"/>
+          </p:cNvSpPr>
+          <p:nvPr>
+            <p:ph type="title"/>
+          </p:nvPr>
+        </p:nvSpPr>
+        <p:spPr/>
+        <p:txBody>
+          <a:bodyPr/>
+          <a:lstStyle/>
+          <a:p>
+            <a:r>
+              <a:rPr lang="en-US" dirty="0"/>
+              <a:t>Daftar </a:t>
+            </a:r>
+            <a:r>
+              <a:rPr lang="en-US" dirty="0" err="1"/>
+              <a:t>Pustaka</a:t>
+            </a:r>
+            <a:r>
+              <a:rPr lang="en-US" dirty="0"/>
+              <a:t> </a:t>
+            </a:r>
+            <a:endParaRPr lang="id-ID" dirty="0"/>
+          </a:p>
+        </p:txBody>
+      </p:sp>
+      <p:pic>
+        <p:nvPicPr>
+          <p:cNvPr id="4" name="Content Placeholder 3">
+            <a:extLst>
+              <a:ext uri="{FF2B5EF4-FFF2-40B4-BE49-F238E27FC236}">
+                <a16:creationId xmlns:a16="http://schemas.microsoft.com/office/drawing/2014/main" id="{C5D692DC-838D-4857-9B60-EE61F2674B08}"/>
+              </a:ext>
+            </a:extLst>
+          </p:cNvPr>
+          <p:cNvPicPr>
+            <a:picLocks noGrp="1" noChangeAspect="1"/>
+          </p:cNvPicPr>
+          <p:nvPr>
+            <p:ph idx="1"/>
+          </p:nvPr>
+        </p:nvPicPr>
+        <p:blipFill>
+          <a:blip r:embed="rId2"/>
+          <a:stretch>
+            <a:fillRect/>
+          </a:stretch>
+        </p:blipFill>
+        <p:spPr>
+          <a:xfrm>
+            <a:off x="1525905" y="1688782"/>
+            <a:ext cx="8743950" cy="752475"/>
+          </a:xfrm>
+          <a:prstGeom prst="rect">
+            <a:avLst/>
+          </a:prstGeom>
+        </p:spPr>
+      </p:pic>
+      <p:pic>
+        <p:nvPicPr>
+          <p:cNvPr id="3" name="Picture 2">
+            <a:extLst>
+              <a:ext uri="{FF2B5EF4-FFF2-40B4-BE49-F238E27FC236}">
+                <a16:creationId xmlns:a16="http://schemas.microsoft.com/office/drawing/2014/main" id="{3C6CD2B9-5DC7-49D8-81DF-D47F3B54AE9A}"/>
+              </a:ext>
+            </a:extLst>
+          </p:cNvPr>
+          <p:cNvPicPr>
+            <a:picLocks noChangeAspect="1"/>
+          </p:cNvPicPr>
+          <p:nvPr/>
+        </p:nvPicPr>
+        <p:blipFill>
+          <a:blip r:embed="rId3"/>
+          <a:stretch>
+            <a:fillRect/>
+          </a:stretch>
+        </p:blipFill>
+        <p:spPr>
+          <a:xfrm>
+            <a:off x="1480597" y="2631758"/>
+            <a:ext cx="8743950" cy="707962"/>
+          </a:xfrm>
+          <a:prstGeom prst="rect">
+            <a:avLst/>
+          </a:prstGeom>
+        </p:spPr>
+      </p:pic>
+    </p:spTree>
+    <p:extLst>
+      <p:ext uri="{BB962C8B-B14F-4D97-AF65-F5344CB8AC3E}">
+        <p14:creationId xmlns:p14="http://schemas.microsoft.com/office/powerpoint/2010/main" val="582765946"/>
       </p:ext>
     </p:extLst>
   </p:cSld>
